--- a/Microservice01.pptx
+++ b/Microservice01.pptx
@@ -215,7 +215,7 @@
             <a:fld id="{1AA0A25A-0933-4BB6-AB00-1CCD3F98FE01}" type="datetimeFigureOut">
               <a:rPr lang="zh-TW" altLang="en-US" smtClean="0"/>
               <a:pPr/>
-              <a:t>2019/8/12</a:t>
+              <a:t>2019/8/28</a:t>
             </a:fld>
             <a:endParaRPr lang="zh-TW" altLang="en-US"/>
           </a:p>
@@ -1458,7 +1458,7 @@
             <a:fld id="{FD877D34-32F8-4B33-9092-4B8820F5807F}" type="datetimeFigureOut">
               <a:rPr lang="zh-TW" altLang="en-US" smtClean="0"/>
               <a:pPr/>
-              <a:t>2019/8/12</a:t>
+              <a:t>2019/8/28</a:t>
             </a:fld>
             <a:endParaRPr lang="zh-TW" altLang="en-US"/>
           </a:p>
@@ -1625,7 +1625,7 @@
             <a:fld id="{FD877D34-32F8-4B33-9092-4B8820F5807F}" type="datetimeFigureOut">
               <a:rPr lang="zh-TW" altLang="en-US" smtClean="0"/>
               <a:pPr/>
-              <a:t>2019/8/12</a:t>
+              <a:t>2019/8/28</a:t>
             </a:fld>
             <a:endParaRPr lang="zh-TW" altLang="en-US"/>
           </a:p>
@@ -1802,7 +1802,7 @@
             <a:fld id="{FD877D34-32F8-4B33-9092-4B8820F5807F}" type="datetimeFigureOut">
               <a:rPr lang="zh-TW" altLang="en-US" smtClean="0"/>
               <a:pPr/>
-              <a:t>2019/8/12</a:t>
+              <a:t>2019/8/28</a:t>
             </a:fld>
             <a:endParaRPr lang="zh-TW" altLang="en-US"/>
           </a:p>
@@ -1969,7 +1969,7 @@
             <a:fld id="{FD877D34-32F8-4B33-9092-4B8820F5807F}" type="datetimeFigureOut">
               <a:rPr lang="zh-TW" altLang="en-US" smtClean="0"/>
               <a:pPr/>
-              <a:t>2019/8/12</a:t>
+              <a:t>2019/8/28</a:t>
             </a:fld>
             <a:endParaRPr lang="zh-TW" altLang="en-US"/>
           </a:p>
@@ -2212,7 +2212,7 @@
             <a:fld id="{FD877D34-32F8-4B33-9092-4B8820F5807F}" type="datetimeFigureOut">
               <a:rPr lang="zh-TW" altLang="en-US" smtClean="0"/>
               <a:pPr/>
-              <a:t>2019/8/12</a:t>
+              <a:t>2019/8/28</a:t>
             </a:fld>
             <a:endParaRPr lang="zh-TW" altLang="en-US"/>
           </a:p>
@@ -2497,7 +2497,7 @@
             <a:fld id="{FD877D34-32F8-4B33-9092-4B8820F5807F}" type="datetimeFigureOut">
               <a:rPr lang="zh-TW" altLang="en-US" smtClean="0"/>
               <a:pPr/>
-              <a:t>2019/8/12</a:t>
+              <a:t>2019/8/28</a:t>
             </a:fld>
             <a:endParaRPr lang="zh-TW" altLang="en-US"/>
           </a:p>
@@ -2916,7 +2916,7 @@
             <a:fld id="{FD877D34-32F8-4B33-9092-4B8820F5807F}" type="datetimeFigureOut">
               <a:rPr lang="zh-TW" altLang="en-US" smtClean="0"/>
               <a:pPr/>
-              <a:t>2019/8/12</a:t>
+              <a:t>2019/8/28</a:t>
             </a:fld>
             <a:endParaRPr lang="zh-TW" altLang="en-US"/>
           </a:p>
@@ -3031,7 +3031,7 @@
             <a:fld id="{FD877D34-32F8-4B33-9092-4B8820F5807F}" type="datetimeFigureOut">
               <a:rPr lang="zh-TW" altLang="en-US" smtClean="0"/>
               <a:pPr/>
-              <a:t>2019/8/12</a:t>
+              <a:t>2019/8/28</a:t>
             </a:fld>
             <a:endParaRPr lang="zh-TW" altLang="en-US"/>
           </a:p>
@@ -3123,7 +3123,7 @@
             <a:fld id="{FD877D34-32F8-4B33-9092-4B8820F5807F}" type="datetimeFigureOut">
               <a:rPr lang="zh-TW" altLang="en-US" smtClean="0"/>
               <a:pPr/>
-              <a:t>2019/8/12</a:t>
+              <a:t>2019/8/28</a:t>
             </a:fld>
             <a:endParaRPr lang="zh-TW" altLang="en-US"/>
           </a:p>
@@ -3397,7 +3397,7 @@
             <a:fld id="{FD877D34-32F8-4B33-9092-4B8820F5807F}" type="datetimeFigureOut">
               <a:rPr lang="zh-TW" altLang="en-US" smtClean="0"/>
               <a:pPr/>
-              <a:t>2019/8/12</a:t>
+              <a:t>2019/8/28</a:t>
             </a:fld>
             <a:endParaRPr lang="zh-TW" altLang="en-US"/>
           </a:p>
@@ -3647,7 +3647,7 @@
             <a:fld id="{FD877D34-32F8-4B33-9092-4B8820F5807F}" type="datetimeFigureOut">
               <a:rPr lang="zh-TW" altLang="en-US" smtClean="0"/>
               <a:pPr/>
-              <a:t>2019/8/12</a:t>
+              <a:t>2019/8/28</a:t>
             </a:fld>
             <a:endParaRPr lang="zh-TW" altLang="en-US"/>
           </a:p>
@@ -3857,7 +3857,7 @@
             <a:fld id="{FD877D34-32F8-4B33-9092-4B8820F5807F}" type="datetimeFigureOut">
               <a:rPr lang="zh-TW" altLang="en-US" smtClean="0"/>
               <a:pPr/>
-              <a:t>2019/8/12</a:t>
+              <a:t>2019/8/28</a:t>
             </a:fld>
             <a:endParaRPr lang="zh-TW" altLang="en-US"/>
           </a:p>
@@ -4388,11 +4388,7 @@
           <a:p>
             <a:r>
               <a:rPr lang="en-US" altLang="zh-TW" dirty="0" smtClean="0"/>
-              <a:t>Service </a:t>
-            </a:r>
-            <a:r>
-              <a:rPr lang="en-US" altLang="zh-TW" dirty="0" smtClean="0"/>
-              <a:t>must be </a:t>
+              <a:t>Service must be </a:t>
             </a:r>
             <a:r>
               <a:rPr lang="en-US" altLang="zh-TW" b="1" dirty="0" smtClean="0">
@@ -4412,13 +4408,8 @@
             </a:r>
             <a:r>
               <a:rPr lang="en-US" altLang="zh-TW" dirty="0" smtClean="0"/>
-              <a:t>(pure , functional) to prevent </a:t>
-            </a:r>
-            <a:r>
-              <a:rPr lang="en-US" altLang="zh-TW" dirty="0" smtClean="0"/>
-              <a:t>data-losing</a:t>
-            </a:r>
-            <a:endParaRPr lang="en-US" altLang="zh-TW" dirty="0" smtClean="0"/>
+              <a:t>(pure , functional) to prevent data-losing</a:t>
+            </a:r>
           </a:p>
           <a:p>
             <a:pPr lvl="1"/>
@@ -4507,11 +4498,6 @@
               </a:rPr>
               <a:t>HA</a:t>
             </a:r>
-            <a:endParaRPr lang="en-US" altLang="zh-TW" dirty="0" smtClean="0">
-              <a:solidFill>
-                <a:srgbClr val="FF0000"/>
-              </a:solidFill>
-            </a:endParaRPr>
           </a:p>
           <a:p>
             <a:pPr lvl="1"/>
@@ -4609,15 +4595,7 @@
           <a:p>
             <a:r>
               <a:rPr lang="en-US" altLang="zh-TW" dirty="0" smtClean="0"/>
-              <a:t>Sync : </a:t>
-            </a:r>
-            <a:r>
-              <a:rPr lang="en-US" altLang="zh-TW" dirty="0" smtClean="0"/>
-              <a:t>Socket, Restful</a:t>
-            </a:r>
-            <a:r>
-              <a:rPr lang="en-US" altLang="zh-TW" dirty="0" smtClean="0"/>
-              <a:t>, gRPC,</a:t>
+              <a:t>Sync : Socket, Restful, gRPC,</a:t>
             </a:r>
             <a:r>
               <a:rPr lang="zh-TW" altLang="en-US" dirty="0" smtClean="0"/>
@@ -4954,11 +4932,7 @@
             </a:r>
             <a:r>
               <a:rPr lang="en-US" altLang="zh-TW" dirty="0" smtClean="0"/>
-              <a:t>Registering when service </a:t>
-            </a:r>
-            <a:r>
-              <a:rPr lang="en-US" altLang="zh-TW" dirty="0" smtClean="0"/>
-              <a:t>started</a:t>
+              <a:t>Registering when service started</a:t>
             </a:r>
             <a:r>
               <a:rPr lang="zh-TW" altLang="en-US" dirty="0" smtClean="0"/>
@@ -4976,7 +4950,6 @@
               <a:rPr lang="en-US" altLang="zh-TW" dirty="0" smtClean="0"/>
               <a:t>leaved</a:t>
             </a:r>
-            <a:endParaRPr lang="en-US" altLang="zh-TW" dirty="0" smtClean="0"/>
           </a:p>
           <a:p>
             <a:r>
@@ -4989,13 +4962,8 @@
             </a:r>
             <a:r>
               <a:rPr lang="en-US" altLang="zh-TW" dirty="0" smtClean="0"/>
-              <a:t>Query which IP </a:t>
-            </a:r>
-            <a:r>
-              <a:rPr lang="en-US" altLang="zh-TW" dirty="0" smtClean="0"/>
-              <a:t>lists</a:t>
-            </a:r>
-            <a:endParaRPr lang="en-US" altLang="zh-TW" dirty="0" smtClean="0"/>
+              <a:t>Query which IP lists</a:t>
+            </a:r>
           </a:p>
           <a:p>
             <a:r>
@@ -5020,11 +4988,7 @@
             </a:r>
             <a:r>
               <a:rPr lang="en-US" altLang="zh-TW" dirty="0" smtClean="0"/>
-              <a:t> </a:t>
-            </a:r>
-            <a:r>
-              <a:rPr lang="en-US" altLang="zh-TW" dirty="0" smtClean="0"/>
-              <a:t>?  </a:t>
+              <a:t> ?  </a:t>
             </a:r>
             <a:endParaRPr lang="zh-TW" altLang="en-US" dirty="0" smtClean="0"/>
           </a:p>
@@ -5279,11 +5243,7 @@
           <a:p>
             <a:r>
               <a:rPr lang="en-US" altLang="zh-TW" dirty="0" smtClean="0"/>
-              <a:t>DIY </a:t>
-            </a:r>
-            <a:r>
-              <a:rPr lang="en-US" altLang="zh-TW" dirty="0" smtClean="0"/>
-              <a:t>-</a:t>
+              <a:t>DIY -</a:t>
             </a:r>
             <a:r>
               <a:rPr lang="zh-TW" altLang="en-US" dirty="0" smtClean="0"/>
@@ -5323,17 +5283,42 @@
               <a:rPr lang="en-US" altLang="zh-TW" dirty="0" smtClean="0"/>
               <a:t>Type: </a:t>
             </a:r>
+          </a:p>
+          <a:p>
+            <a:pPr lvl="1"/>
+            <a:r>
+              <a:rPr lang="en-US" altLang="zh-TW" dirty="0" smtClean="0">
+                <a:solidFill>
+                  <a:srgbClr val="FF0000"/>
+                </a:solidFill>
+              </a:rPr>
+              <a:t>strings</a:t>
+            </a:r>
             <a:endParaRPr lang="en-US" altLang="zh-TW" dirty="0" smtClean="0"/>
           </a:p>
           <a:p>
             <a:pPr lvl="1"/>
             <a:r>
+              <a:rPr lang="en-US" altLang="zh-TW" dirty="0" smtClean="0"/>
+              <a:t>hashes</a:t>
+            </a:r>
+          </a:p>
+          <a:p>
+            <a:pPr lvl="1"/>
+            <a:r>
+              <a:rPr lang="en-US" altLang="zh-TW" dirty="0" smtClean="0"/>
+              <a:t>lists</a:t>
+            </a:r>
+          </a:p>
+          <a:p>
+            <a:pPr lvl="1"/>
+            <a:r>
               <a:rPr lang="en-US" altLang="zh-TW" dirty="0" smtClean="0">
                 <a:solidFill>
                   <a:srgbClr val="FF0000"/>
                 </a:solidFill>
               </a:rPr>
-              <a:t>strings</a:t>
+              <a:t>sets</a:t>
             </a:r>
             <a:endParaRPr lang="en-US" altLang="zh-TW" dirty="0" smtClean="0"/>
           </a:p>
@@ -5341,25 +5326,32 @@
             <a:pPr lvl="1"/>
             <a:r>
               <a:rPr lang="en-US" altLang="zh-TW" dirty="0" smtClean="0"/>
-              <a:t>hashes</a:t>
+              <a:t>sorted sets</a:t>
             </a:r>
           </a:p>
           <a:p>
             <a:pPr lvl="1"/>
             <a:r>
               <a:rPr lang="en-US" altLang="zh-TW" dirty="0" smtClean="0"/>
-              <a:t>lists</a:t>
+              <a:t>bitmaps</a:t>
             </a:r>
           </a:p>
           <a:p>
             <a:pPr lvl="1"/>
             <a:r>
+              <a:rPr lang="en-US" altLang="zh-TW" dirty="0" smtClean="0"/>
+              <a:t>geo</a:t>
+            </a:r>
+          </a:p>
+          <a:p>
+            <a:pPr lvl="1"/>
+            <a:r>
               <a:rPr lang="en-US" altLang="zh-TW" dirty="0" smtClean="0">
                 <a:solidFill>
                   <a:srgbClr val="FF0000"/>
                 </a:solidFill>
               </a:rPr>
-              <a:t>sets</a:t>
+              <a:t>Pub/Sub</a:t>
             </a:r>
             <a:endParaRPr lang="en-US" altLang="zh-TW" dirty="0" smtClean="0"/>
           </a:p>
@@ -5367,42 +5359,8 @@
             <a:pPr lvl="1"/>
             <a:r>
               <a:rPr lang="en-US" altLang="zh-TW" dirty="0" smtClean="0"/>
-              <a:t>sorted sets</a:t>
-            </a:r>
-          </a:p>
-          <a:p>
-            <a:pPr lvl="1"/>
-            <a:r>
-              <a:rPr lang="en-US" altLang="zh-TW" dirty="0" smtClean="0"/>
-              <a:t>bitmaps</a:t>
-            </a:r>
-          </a:p>
-          <a:p>
-            <a:pPr lvl="1"/>
-            <a:r>
-              <a:rPr lang="en-US" altLang="zh-TW" dirty="0" smtClean="0"/>
-              <a:t>geo</a:t>
-            </a:r>
-          </a:p>
-          <a:p>
-            <a:pPr lvl="1"/>
-            <a:r>
-              <a:rPr lang="en-US" altLang="zh-TW" dirty="0" smtClean="0">
-                <a:solidFill>
-                  <a:srgbClr val="FF0000"/>
-                </a:solidFill>
-              </a:rPr>
-              <a:t>Pub/Sub</a:t>
-            </a:r>
-            <a:endParaRPr lang="en-US" altLang="zh-TW" dirty="0" smtClean="0"/>
-          </a:p>
-          <a:p>
-            <a:pPr lvl="1"/>
-            <a:r>
-              <a:rPr lang="en-US" altLang="zh-TW" dirty="0" smtClean="0"/>
               <a:t>streams</a:t>
             </a:r>
-            <a:endParaRPr lang="en-US" altLang="zh-TW" dirty="0" smtClean="0"/>
           </a:p>
         </p:txBody>
       </p:sp>
@@ -5685,7 +5643,6 @@
               <a:rPr lang="en-US" altLang="zh-TW" dirty="0" smtClean="0"/>
               <a:t>Performance:</a:t>
             </a:r>
-            <a:endParaRPr lang="en-US" altLang="zh-TW" dirty="0" smtClean="0"/>
           </a:p>
         </p:txBody>
       </p:sp>
@@ -5804,11 +5761,7 @@
           <a:p>
             <a:r>
               <a:rPr lang="en-US" altLang="zh-TW" dirty="0" smtClean="0"/>
-              <a:t>DIY </a:t>
-            </a:r>
-            <a:r>
-              <a:rPr lang="en-US" altLang="zh-TW" dirty="0" smtClean="0"/>
-              <a:t>-</a:t>
+              <a:t>DIY -</a:t>
             </a:r>
             <a:r>
               <a:rPr lang="zh-TW" altLang="en-US" dirty="0" smtClean="0"/>
@@ -5839,11 +5792,7 @@
           <a:p>
             <a:r>
               <a:rPr lang="en-US" altLang="zh-TW" dirty="0" smtClean="0"/>
-              <a:t>Github</a:t>
-            </a:r>
-            <a:r>
-              <a:rPr lang="en-US" altLang="zh-TW" dirty="0" smtClean="0"/>
-              <a:t>: </a:t>
+              <a:t>Github: </a:t>
             </a:r>
             <a:r>
               <a:rPr lang="en-US" altLang="zh-TW" dirty="0" smtClean="0">
@@ -5904,11 +5853,7 @@
           <a:p>
             <a:r>
               <a:rPr lang="en-US" altLang="zh-TW" dirty="0" smtClean="0"/>
-              <a:t>DIY </a:t>
-            </a:r>
-            <a:r>
-              <a:rPr lang="en-US" altLang="zh-TW" dirty="0" smtClean="0"/>
-              <a:t>1 – Sharing Session Data</a:t>
+              <a:t>DIY 1 – Sharing Session Data</a:t>
             </a:r>
             <a:endParaRPr lang="zh-TW" altLang="en-US" dirty="0"/>
           </a:p>
@@ -6472,7 +6417,7 @@
         </p:spPr>
         <p:txBody>
           <a:bodyPr>
-            <a:normAutofit fontScale="85000" lnSpcReduction="20000"/>
+            <a:normAutofit fontScale="92500" lnSpcReduction="10000"/>
           </a:bodyPr>
           <a:lstStyle/>
           <a:p>
@@ -6489,13 +6434,7 @@
               <a:rPr lang="en-US" altLang="zh-TW" dirty="0" smtClean="0">
                 <a:hlinkClick r:id="rId3" action="ppaction://hlinksldjump"/>
               </a:rPr>
-              <a:t>Stateless </a:t>
-            </a:r>
-            <a:r>
-              <a:rPr lang="en-US" altLang="zh-TW" dirty="0" smtClean="0">
-                <a:hlinkClick r:id="rId3" action="ppaction://hlinksldjump"/>
-              </a:rPr>
-              <a:t>Service</a:t>
+              <a:t>Stateless Service</a:t>
             </a:r>
             <a:endParaRPr lang="en-US" altLang="zh-TW" dirty="0" smtClean="0"/>
           </a:p>
@@ -6534,159 +6473,91 @@
             <a:endParaRPr lang="en-US" altLang="zh-TW" dirty="0" smtClean="0"/>
           </a:p>
           <a:p>
-            <a:pPr lvl="2"/>
+            <a:pPr lvl="1"/>
+            <a:r>
+              <a:rPr lang="en-US" altLang="zh-TW" dirty="0" smtClean="0"/>
+              <a:t>Message </a:t>
+            </a:r>
+            <a:r>
+              <a:rPr lang="en-US" altLang="zh-TW" dirty="0" smtClean="0"/>
+              <a:t>Queue : RabbitMQ  </a:t>
+            </a:r>
+            <a:r>
+              <a:rPr lang="en-US" altLang="zh-TW" dirty="0" smtClean="0">
+                <a:solidFill>
+                  <a:srgbClr val="FFC000"/>
+                </a:solidFill>
+              </a:rPr>
+              <a:t>(TBD…)</a:t>
+            </a:r>
+            <a:endParaRPr lang="en-US" altLang="zh-TW" dirty="0" smtClean="0"/>
+          </a:p>
+          <a:p>
+            <a:pPr lvl="1"/>
+            <a:r>
+              <a:rPr lang="en-US" altLang="zh-TW" dirty="0" smtClean="0"/>
+              <a:t>Cloud Platform </a:t>
+            </a:r>
+            <a:r>
+              <a:rPr lang="en-US" altLang="zh-TW" dirty="0" smtClean="0"/>
+              <a:t>: </a:t>
+            </a:r>
+            <a:r>
+              <a:rPr lang="en-US" altLang="zh-TW" smtClean="0"/>
+              <a:t>AWS </a:t>
+            </a:r>
+            <a:r>
+              <a:rPr lang="en-US" altLang="zh-TW" smtClean="0">
+                <a:solidFill>
+                  <a:srgbClr val="FFC000"/>
+                </a:solidFill>
+              </a:rPr>
+              <a:t>(</a:t>
+            </a:r>
+            <a:r>
+              <a:rPr lang="en-US" altLang="zh-TW" dirty="0" smtClean="0">
+                <a:solidFill>
+                  <a:srgbClr val="FFC000"/>
+                </a:solidFill>
+              </a:rPr>
+              <a:t>TBD…)</a:t>
+            </a:r>
+          </a:p>
+          <a:p>
+            <a:pPr lvl="1"/>
+            <a:r>
+              <a:rPr lang="en-US" altLang="zh-TW" dirty="0" smtClean="0"/>
+              <a:t>Container : Docker  </a:t>
+            </a:r>
+            <a:r>
+              <a:rPr lang="en-US" altLang="zh-TW" dirty="0" smtClean="0">
+                <a:solidFill>
+                  <a:srgbClr val="FFC000"/>
+                </a:solidFill>
+              </a:rPr>
+              <a:t>(TBD…)</a:t>
+            </a:r>
+            <a:endParaRPr lang="en-US" altLang="zh-TW" dirty="0" smtClean="0"/>
+          </a:p>
+          <a:p>
+            <a:pPr lvl="1"/>
+            <a:r>
+              <a:rPr lang="en-US" altLang="zh-TW" dirty="0" smtClean="0"/>
+              <a:t>Container Manager : K8S  </a:t>
+            </a:r>
+            <a:r>
+              <a:rPr lang="en-US" altLang="zh-TW" dirty="0" smtClean="0">
+                <a:solidFill>
+                  <a:srgbClr val="FFC000"/>
+                </a:solidFill>
+              </a:rPr>
+              <a:t>(TBD…)</a:t>
+            </a:r>
+          </a:p>
+          <a:p>
             <a:r>
               <a:rPr lang="en-US" altLang="zh-TW" dirty="0" smtClean="0">
                 <a:hlinkClick r:id="rId7" action="ppaction://hlinksldjump"/>
-              </a:rPr>
-              <a:t>DIY </a:t>
-            </a:r>
-            <a:r>
-              <a:rPr lang="en-US" altLang="zh-TW" dirty="0" smtClean="0">
-                <a:hlinkClick r:id="rId7" action="ppaction://hlinksldjump"/>
-              </a:rPr>
-              <a:t>1 - Sharing Session Data</a:t>
-            </a:r>
-            <a:endParaRPr lang="en-US" altLang="zh-TW" dirty="0" smtClean="0"/>
-          </a:p>
-          <a:p>
-            <a:pPr lvl="2"/>
-            <a:r>
-              <a:rPr lang="en-US" altLang="zh-TW" dirty="0" smtClean="0">
-                <a:hlinkClick r:id="rId8" action="ppaction://hlinksldjump"/>
-              </a:rPr>
-              <a:t>DIY 2 - Who is online (Service Discovery)</a:t>
-            </a:r>
-            <a:endParaRPr lang="en-US" altLang="zh-TW" dirty="0" smtClean="0"/>
-          </a:p>
-          <a:p>
-            <a:pPr lvl="2"/>
-            <a:r>
-              <a:rPr lang="en-US" altLang="zh-TW" dirty="0" smtClean="0">
-                <a:hlinkClick r:id="rId9" action="ppaction://hlinksldjump"/>
-              </a:rPr>
-              <a:t>DIY 3 - Who is online/offline (Service Discovery)</a:t>
-            </a:r>
-            <a:endParaRPr lang="en-US" altLang="zh-TW" dirty="0" smtClean="0"/>
-          </a:p>
-          <a:p>
-            <a:pPr lvl="1"/>
-            <a:r>
-              <a:rPr lang="en-US" altLang="zh-TW" dirty="0" smtClean="0"/>
-              <a:t>Message Queue : RabbitMQ  </a:t>
-            </a:r>
-            <a:r>
-              <a:rPr lang="en-US" altLang="zh-TW" dirty="0" smtClean="0">
-                <a:solidFill>
-                  <a:srgbClr val="FFC000"/>
-                </a:solidFill>
-              </a:rPr>
-              <a:t>(</a:t>
-            </a:r>
-            <a:r>
-              <a:rPr lang="en-US" altLang="zh-TW" dirty="0" smtClean="0">
-                <a:solidFill>
-                  <a:srgbClr val="FFC000"/>
-                </a:solidFill>
-              </a:rPr>
-              <a:t>TBD…)</a:t>
-            </a:r>
-            <a:endParaRPr lang="en-US" altLang="zh-TW" dirty="0" smtClean="0"/>
-          </a:p>
-          <a:p>
-            <a:pPr lvl="1"/>
-            <a:r>
-              <a:rPr lang="en-US" altLang="zh-TW" dirty="0" smtClean="0"/>
-              <a:t>Serverless Function : </a:t>
-            </a:r>
-            <a:r>
-              <a:rPr lang="en-US" altLang="zh-TW" dirty="0" smtClean="0"/>
-              <a:t>AWS Lambda </a:t>
-            </a:r>
-            <a:r>
-              <a:rPr lang="en-US" altLang="zh-TW" dirty="0" smtClean="0">
-                <a:solidFill>
-                  <a:srgbClr val="FFC000"/>
-                </a:solidFill>
-              </a:rPr>
-              <a:t>(</a:t>
-            </a:r>
-            <a:r>
-              <a:rPr lang="en-US" altLang="zh-TW" dirty="0" smtClean="0">
-                <a:solidFill>
-                  <a:srgbClr val="FFC000"/>
-                </a:solidFill>
-              </a:rPr>
-              <a:t>TBD</a:t>
-            </a:r>
-            <a:r>
-              <a:rPr lang="en-US" altLang="zh-TW" dirty="0" smtClean="0">
-                <a:solidFill>
-                  <a:srgbClr val="FFC000"/>
-                </a:solidFill>
-              </a:rPr>
-              <a:t>…)</a:t>
-            </a:r>
-          </a:p>
-          <a:p>
-            <a:pPr lvl="1"/>
-            <a:r>
-              <a:rPr lang="en-US" altLang="zh-TW" dirty="0" smtClean="0"/>
-              <a:t>Container : Docker  </a:t>
-            </a:r>
-            <a:r>
-              <a:rPr lang="en-US" altLang="zh-TW" dirty="0" smtClean="0">
-                <a:solidFill>
-                  <a:srgbClr val="FFC000"/>
-                </a:solidFill>
-              </a:rPr>
-              <a:t>(</a:t>
-            </a:r>
-            <a:r>
-              <a:rPr lang="en-US" altLang="zh-TW" dirty="0" smtClean="0">
-                <a:solidFill>
-                  <a:srgbClr val="FFC000"/>
-                </a:solidFill>
-              </a:rPr>
-              <a:t>TBD…)</a:t>
-            </a:r>
-            <a:endParaRPr lang="en-US" altLang="zh-TW" dirty="0" smtClean="0"/>
-          </a:p>
-          <a:p>
-            <a:pPr lvl="1"/>
-            <a:r>
-              <a:rPr lang="en-US" altLang="zh-TW" dirty="0" smtClean="0"/>
-              <a:t>Container Manager : K8S  </a:t>
-            </a:r>
-            <a:r>
-              <a:rPr lang="en-US" altLang="zh-TW" dirty="0" smtClean="0">
-                <a:solidFill>
-                  <a:srgbClr val="FFC000"/>
-                </a:solidFill>
-              </a:rPr>
-              <a:t>(</a:t>
-            </a:r>
-            <a:r>
-              <a:rPr lang="en-US" altLang="zh-TW" dirty="0" smtClean="0">
-                <a:solidFill>
-                  <a:srgbClr val="FFC000"/>
-                </a:solidFill>
-              </a:rPr>
-              <a:t>TBD</a:t>
-            </a:r>
-            <a:r>
-              <a:rPr lang="en-US" altLang="zh-TW" dirty="0" smtClean="0">
-                <a:solidFill>
-                  <a:srgbClr val="FFC000"/>
-                </a:solidFill>
-              </a:rPr>
-              <a:t>…)</a:t>
-            </a:r>
-          </a:p>
-          <a:p>
-            <a:r>
-              <a:rPr lang="en-US" altLang="zh-TW" dirty="0" smtClean="0">
-                <a:hlinkClick r:id="rId10" action="ppaction://hlinksldjump"/>
               </a:rPr>
               <a:t>Reference</a:t>
             </a:r>
@@ -7590,13 +7461,7 @@
               <a:rPr lang="en-US" altLang="zh-TW" dirty="0" smtClean="0">
                 <a:hlinkClick r:id="rId7"/>
               </a:rPr>
-              <a:t>https://redis.io</a:t>
-            </a:r>
-            <a:r>
-              <a:rPr lang="en-US" altLang="zh-TW" dirty="0" smtClean="0">
-                <a:hlinkClick r:id="rId7"/>
-              </a:rPr>
-              <a:t>/</a:t>
+              <a:t>https://redis.io/</a:t>
             </a:r>
             <a:endParaRPr lang="en-US" altLang="zh-TW" dirty="0" smtClean="0"/>
           </a:p>
@@ -7825,25 +7690,15 @@
             <a:pPr lvl="1"/>
             <a:r>
               <a:rPr lang="en-US" altLang="zh-TW" dirty="0" smtClean="0"/>
-              <a:t>Source </a:t>
-            </a:r>
-            <a:r>
-              <a:rPr lang="en-US" altLang="zh-TW" dirty="0" smtClean="0"/>
-              <a:t>Code =&gt; Monolithic</a:t>
-            </a:r>
-            <a:endParaRPr lang="en-US" altLang="zh-TW" dirty="0" smtClean="0"/>
+              <a:t>Source Code =&gt; Monolithic</a:t>
+            </a:r>
           </a:p>
           <a:p>
             <a:pPr lvl="1"/>
             <a:r>
               <a:rPr lang="en-US" altLang="zh-TW" dirty="0" smtClean="0"/>
-              <a:t>Binary </a:t>
-            </a:r>
-            <a:r>
-              <a:rPr lang="en-US" altLang="zh-TW" dirty="0" smtClean="0"/>
-              <a:t>Code</a:t>
-            </a:r>
-            <a:endParaRPr lang="en-US" altLang="zh-TW" dirty="0" smtClean="0"/>
+              <a:t>Binary Code</a:t>
+            </a:r>
           </a:p>
           <a:p>
             <a:pPr lvl="1"/>
@@ -7888,11 +7743,7 @@
             <a:pPr lvl="1"/>
             <a:r>
               <a:rPr lang="en-US" altLang="zh-TW" dirty="0" smtClean="0"/>
-              <a:t>Simple vs</a:t>
-            </a:r>
-            <a:r>
-              <a:rPr lang="en-US" altLang="zh-TW" dirty="0" smtClean="0"/>
-              <a:t>. </a:t>
+              <a:t>Simple vs. </a:t>
             </a:r>
             <a:r>
               <a:rPr lang="en-US" altLang="zh-TW" dirty="0" smtClean="0">
@@ -7900,31 +7751,14 @@
                   <a:srgbClr val="FF0000"/>
                 </a:solidFill>
               </a:rPr>
-              <a:t>C</a:t>
-            </a:r>
-            <a:r>
-              <a:rPr lang="en-US" altLang="zh-TW" dirty="0" smtClean="0">
-                <a:solidFill>
-                  <a:srgbClr val="FF0000"/>
-                </a:solidFill>
-              </a:rPr>
-              <a:t>omplex</a:t>
-            </a:r>
-            <a:endParaRPr lang="en-US" altLang="zh-TW" dirty="0" smtClean="0">
-              <a:solidFill>
-                <a:srgbClr val="FF0000"/>
-              </a:solidFill>
-            </a:endParaRPr>
+              <a:t>Complex</a:t>
+            </a:r>
           </a:p>
           <a:p>
             <a:pPr lvl="1"/>
             <a:r>
               <a:rPr lang="en-US" altLang="zh-TW" dirty="0" smtClean="0"/>
-              <a:t>Scale-Up </a:t>
-            </a:r>
-            <a:r>
-              <a:rPr lang="en-US" altLang="zh-TW" dirty="0" smtClean="0"/>
-              <a:t>vs. </a:t>
+              <a:t>Scale-Up vs. </a:t>
             </a:r>
             <a:r>
               <a:rPr lang="en-US" altLang="zh-TW" dirty="0" smtClean="0">
